--- a/Java Урок 11 String. Random.pptx
+++ b/Java Урок 11 String. Random.pptx
@@ -218,7 +218,7 @@
           <a:p>
             <a:fld id="{790B794E-751A-4E07-B5B4-B69A0141DF43}" type="datetimeFigureOut">
               <a:rPr lang="uk-UA" smtClean="0"/>
-              <a:t>22.12.2023</a:t>
+              <a:t>27.12.2023</a:t>
             </a:fld>
             <a:endParaRPr lang="uk-UA"/>
           </a:p>
@@ -1155,7 +1155,7 @@
           <a:p>
             <a:fld id="{7339DC7A-DEAA-47BA-B575-6138C53BD45C}" type="datetimeFigureOut">
               <a:rPr lang="uk-UA" smtClean="0"/>
-              <a:t>22.12.2023</a:t>
+              <a:t>27.12.2023</a:t>
             </a:fld>
             <a:endParaRPr lang="uk-UA"/>
           </a:p>
@@ -1355,7 +1355,7 @@
           <a:p>
             <a:fld id="{7339DC7A-DEAA-47BA-B575-6138C53BD45C}" type="datetimeFigureOut">
               <a:rPr lang="uk-UA" smtClean="0"/>
-              <a:t>22.12.2023</a:t>
+              <a:t>27.12.2023</a:t>
             </a:fld>
             <a:endParaRPr lang="uk-UA"/>
           </a:p>
@@ -1565,7 +1565,7 @@
           <a:p>
             <a:fld id="{7339DC7A-DEAA-47BA-B575-6138C53BD45C}" type="datetimeFigureOut">
               <a:rPr lang="uk-UA" smtClean="0"/>
-              <a:t>22.12.2023</a:t>
+              <a:t>27.12.2023</a:t>
             </a:fld>
             <a:endParaRPr lang="uk-UA"/>
           </a:p>
@@ -1888,7 +1888,7 @@
           <a:p>
             <a:fld id="{7339DC7A-DEAA-47BA-B575-6138C53BD45C}" type="datetimeFigureOut">
               <a:rPr lang="uk-UA" smtClean="0"/>
-              <a:t>22.12.2023</a:t>
+              <a:t>27.12.2023</a:t>
             </a:fld>
             <a:endParaRPr lang="uk-UA"/>
           </a:p>
@@ -2164,7 +2164,7 @@
           <a:p>
             <a:fld id="{7339DC7A-DEAA-47BA-B575-6138C53BD45C}" type="datetimeFigureOut">
               <a:rPr lang="uk-UA" smtClean="0"/>
-              <a:t>22.12.2023</a:t>
+              <a:t>27.12.2023</a:t>
             </a:fld>
             <a:endParaRPr lang="uk-UA"/>
           </a:p>
@@ -2432,7 +2432,7 @@
           <a:p>
             <a:fld id="{7339DC7A-DEAA-47BA-B575-6138C53BD45C}" type="datetimeFigureOut">
               <a:rPr lang="uk-UA" smtClean="0"/>
-              <a:t>22.12.2023</a:t>
+              <a:t>27.12.2023</a:t>
             </a:fld>
             <a:endParaRPr lang="uk-UA"/>
           </a:p>
@@ -2847,7 +2847,7 @@
           <a:p>
             <a:fld id="{7339DC7A-DEAA-47BA-B575-6138C53BD45C}" type="datetimeFigureOut">
               <a:rPr lang="uk-UA" smtClean="0"/>
-              <a:t>22.12.2023</a:t>
+              <a:t>27.12.2023</a:t>
             </a:fld>
             <a:endParaRPr lang="uk-UA"/>
           </a:p>
@@ -2989,7 +2989,7 @@
           <a:p>
             <a:fld id="{7339DC7A-DEAA-47BA-B575-6138C53BD45C}" type="datetimeFigureOut">
               <a:rPr lang="uk-UA" smtClean="0"/>
-              <a:t>22.12.2023</a:t>
+              <a:t>27.12.2023</a:t>
             </a:fld>
             <a:endParaRPr lang="uk-UA"/>
           </a:p>
@@ -3102,7 +3102,7 @@
           <a:p>
             <a:fld id="{7339DC7A-DEAA-47BA-B575-6138C53BD45C}" type="datetimeFigureOut">
               <a:rPr lang="uk-UA" smtClean="0"/>
-              <a:t>22.12.2023</a:t>
+              <a:t>27.12.2023</a:t>
             </a:fld>
             <a:endParaRPr lang="uk-UA"/>
           </a:p>
@@ -3415,7 +3415,7 @@
           <a:p>
             <a:fld id="{7339DC7A-DEAA-47BA-B575-6138C53BD45C}" type="datetimeFigureOut">
               <a:rPr lang="uk-UA" smtClean="0"/>
-              <a:t>22.12.2023</a:t>
+              <a:t>27.12.2023</a:t>
             </a:fld>
             <a:endParaRPr lang="uk-UA"/>
           </a:p>
@@ -3704,7 +3704,7 @@
           <a:p>
             <a:fld id="{7339DC7A-DEAA-47BA-B575-6138C53BD45C}" type="datetimeFigureOut">
               <a:rPr lang="uk-UA" smtClean="0"/>
-              <a:t>22.12.2023</a:t>
+              <a:t>27.12.2023</a:t>
             </a:fld>
             <a:endParaRPr lang="uk-UA"/>
           </a:p>
@@ -3947,7 +3947,7 @@
           <a:p>
             <a:fld id="{7339DC7A-DEAA-47BA-B575-6138C53BD45C}" type="datetimeFigureOut">
               <a:rPr lang="uk-UA" smtClean="0"/>
-              <a:t>22.12.2023</a:t>
+              <a:t>27.12.2023</a:t>
             </a:fld>
             <a:endParaRPr lang="uk-UA"/>
           </a:p>
@@ -7747,7 +7747,7 @@
           <a:graphicData uri="http://schemas.openxmlformats.org/presentationml/2006/ole">
             <mc:AlternateContent xmlns:mc="http://schemas.openxmlformats.org/markup-compatibility/2006">
               <mc:Choice xmlns:v="urn:schemas-microsoft-com:vml" Requires="v">
-                <p:oleObj spid="_x0000_s1044" name="Visio" r:id="rId3" imgW="6010393" imgH="1609767" progId="Visio.Drawing.11">
+                <p:oleObj spid="_x0000_s1045" name="Visio" r:id="rId3" imgW="6010393" imgH="1609767" progId="Visio.Drawing.11">
                   <p:embed/>
                 </p:oleObj>
               </mc:Choice>
